--- a/1.1. ANADEC 202610 - Costo de Oportunidad y Valor del Dinero en el Tiempo (Parte I)_BC.pptx
+++ b/1.1. ANADEC 202610 - Costo de Oportunidad y Valor del Dinero en el Tiempo (Parte I)_BC.pptx
@@ -5,10 +5,10 @@
     <p:sldMasterId id="2147483792" r:id="rId1"/>
   </p:sldMasterIdLst>
   <p:notesMasterIdLst>
-    <p:notesMasterId r:id="rId29"/>
+    <p:notesMasterId r:id="rId30"/>
   </p:notesMasterIdLst>
   <p:handoutMasterIdLst>
-    <p:handoutMasterId r:id="rId30"/>
+    <p:handoutMasterId r:id="rId31"/>
   </p:handoutMasterIdLst>
   <p:sldIdLst>
     <p:sldId id="398" r:id="rId2"/>
@@ -25,19 +25,20 @@
     <p:sldId id="427" r:id="rId13"/>
     <p:sldId id="459" r:id="rId14"/>
     <p:sldId id="297" r:id="rId15"/>
-    <p:sldId id="438" r:id="rId16"/>
-    <p:sldId id="460" r:id="rId17"/>
-    <p:sldId id="454" r:id="rId18"/>
-    <p:sldId id="461" r:id="rId19"/>
-    <p:sldId id="455" r:id="rId20"/>
-    <p:sldId id="462" r:id="rId21"/>
-    <p:sldId id="463" r:id="rId22"/>
-    <p:sldId id="456" r:id="rId23"/>
-    <p:sldId id="425" r:id="rId24"/>
-    <p:sldId id="265" r:id="rId25"/>
-    <p:sldId id="302" r:id="rId26"/>
-    <p:sldId id="464" r:id="rId27"/>
-    <p:sldId id="424" r:id="rId28"/>
+    <p:sldId id="465" r:id="rId16"/>
+    <p:sldId id="438" r:id="rId17"/>
+    <p:sldId id="460" r:id="rId18"/>
+    <p:sldId id="454" r:id="rId19"/>
+    <p:sldId id="461" r:id="rId20"/>
+    <p:sldId id="455" r:id="rId21"/>
+    <p:sldId id="462" r:id="rId22"/>
+    <p:sldId id="463" r:id="rId23"/>
+    <p:sldId id="456" r:id="rId24"/>
+    <p:sldId id="425" r:id="rId25"/>
+    <p:sldId id="265" r:id="rId26"/>
+    <p:sldId id="302" r:id="rId27"/>
+    <p:sldId id="464" r:id="rId28"/>
+    <p:sldId id="424" r:id="rId29"/>
   </p:sldIdLst>
   <p:sldSz cx="12192000" cy="6858000"/>
   <p:notesSz cx="6858000" cy="9144000"/>
@@ -159,9 +160,54 @@
 <file path=ppt/revisionInfo.xml><?xml version="1.0" encoding="utf-8"?>
 <p1510:revInfo xmlns:a="http://schemas.openxmlformats.org/drawingml/2006/main" xmlns:r="http://schemas.openxmlformats.org/officeDocument/2006/relationships" xmlns:p1510="http://schemas.microsoft.com/office/powerpoint/2015/10/main">
   <p1510:revLst>
-    <p1510:client id="{74C69DC4-88EF-FF4D-B714-7853276D8572}" v="6" dt="2026-01-22T14:52:58.264"/>
+    <p1510:client id="{74C69DC4-88EF-FF4D-B714-7853276D8572}" v="9" dt="2026-01-22T15:48:01.028"/>
   </p1510:revLst>
 </p1510:revInfo>
+</file>
+
+<file path=ppt/changesInfos/changesInfo1.xml><?xml version="1.0" encoding="utf-8"?>
+<pc:chgInfo xmlns:a="http://schemas.openxmlformats.org/drawingml/2006/main" xmlns:r="http://schemas.openxmlformats.org/officeDocument/2006/relationships" xmlns:ac="http://schemas.microsoft.com/office/drawing/2013/main/command" xmlns:pc="http://schemas.microsoft.com/office/powerpoint/2013/main/command">
+  <pc:docChgLst>
+    <pc:chgData name="Brigitte Castañeda Rodriguez" userId="5c201908-82f6-498c-9281-7eaa96fb17b4" providerId="ADAL" clId="{74C69DC4-88EF-FF4D-B714-7853276D8572}"/>
+    <pc:docChg chg="addSld modSld">
+      <pc:chgData name="Brigitte Castañeda Rodriguez" userId="5c201908-82f6-498c-9281-7eaa96fb17b4" providerId="ADAL" clId="{74C69DC4-88EF-FF4D-B714-7853276D8572}" dt="2026-01-22T15:48:01.010" v="21" actId="20577"/>
+      <pc:docMkLst>
+        <pc:docMk/>
+      </pc:docMkLst>
+      <pc:sldChg chg="addSp delSp modSp new mod">
+        <pc:chgData name="Brigitte Castañeda Rodriguez" userId="5c201908-82f6-498c-9281-7eaa96fb17b4" providerId="ADAL" clId="{74C69DC4-88EF-FF4D-B714-7853276D8572}" dt="2026-01-22T15:48:01.010" v="21" actId="20577"/>
+        <pc:sldMkLst>
+          <pc:docMk/>
+          <pc:sldMk cId="1858068227" sldId="465"/>
+        </pc:sldMkLst>
+        <pc:spChg chg="del">
+          <ac:chgData name="Brigitte Castañeda Rodriguez" userId="5c201908-82f6-498c-9281-7eaa96fb17b4" providerId="ADAL" clId="{74C69DC4-88EF-FF4D-B714-7853276D8572}" dt="2026-01-22T15:46:01.212" v="1"/>
+          <ac:spMkLst>
+            <pc:docMk/>
+            <pc:sldMk cId="1858068227" sldId="465"/>
+            <ac:spMk id="3" creationId="{896D3C4C-CABA-6EA2-269E-06C79DF308AE}"/>
+          </ac:spMkLst>
+        </pc:spChg>
+        <pc:spChg chg="add mod">
+          <ac:chgData name="Brigitte Castañeda Rodriguez" userId="5c201908-82f6-498c-9281-7eaa96fb17b4" providerId="ADAL" clId="{74C69DC4-88EF-FF4D-B714-7853276D8572}" dt="2026-01-22T15:48:01.010" v="21" actId="20577"/>
+          <ac:spMkLst>
+            <pc:docMk/>
+            <pc:sldMk cId="1858068227" sldId="465"/>
+            <ac:spMk id="6" creationId="{957CC4DB-6A42-B1F2-5B4C-BC2E0CCA1C14}"/>
+          </ac:spMkLst>
+        </pc:spChg>
+        <pc:picChg chg="add mod">
+          <ac:chgData name="Brigitte Castañeda Rodriguez" userId="5c201908-82f6-498c-9281-7eaa96fb17b4" providerId="ADAL" clId="{74C69DC4-88EF-FF4D-B714-7853276D8572}" dt="2026-01-22T15:46:25.784" v="17" actId="1035"/>
+          <ac:picMkLst>
+            <pc:docMk/>
+            <pc:sldMk cId="1858068227" sldId="465"/>
+            <ac:picMk id="5" creationId="{9BB88309-A710-371A-547E-CCCA5722ECB2}"/>
+          </ac:picMkLst>
+        </pc:picChg>
+      </pc:sldChg>
+    </pc:docChg>
+  </pc:docChgLst>
+</pc:chgInfo>
 </file>
 
 <file path=ppt/handoutMasters/handoutMaster1.xml><?xml version="1.0" encoding="utf-8"?>
@@ -861,7 +907,7 @@
           <a:p>
             <a:fld id="{602C4E94-3DB4-C84A-925E-628A397D8BB4}" type="slidenum">
               <a:rPr lang="en-US" smtClean="0"/>
-              <a:t>26</a:t>
+              <a:t>27</a:t>
             </a:fld>
             <a:endParaRPr lang="en-US"/>
           </a:p>
@@ -1422,7 +1468,7 @@
           <a:p>
             <a:fld id="{602C4E94-3DB4-C84A-925E-628A397D8BB4}" type="slidenum">
               <a:rPr lang="en-US" smtClean="0"/>
-              <a:t>24</a:t>
+              <a:t>25</a:t>
             </a:fld>
             <a:endParaRPr lang="en-US"/>
           </a:p>
@@ -1506,7 +1552,7 @@
           <a:p>
             <a:fld id="{602C4E94-3DB4-C84A-925E-628A397D8BB4}" type="slidenum">
               <a:rPr lang="en-US" smtClean="0"/>
-              <a:t>25</a:t>
+              <a:t>26</a:t>
             </a:fld>
             <a:endParaRPr lang="en-US"/>
           </a:p>
@@ -8615,8 +8661,8 @@
           <a:chExt cx="0" cy="0"/>
         </a:xfrm>
       </p:grpSpPr>
-      <mc:AlternateContent xmlns:mc="http://schemas.openxmlformats.org/markup-compatibility/2006">
-        <mc:Choice xmlns:a14="http://schemas.microsoft.com/office/drawing/2010/main" Requires="a14">
+      <mc:AlternateContent xmlns:mc="http://schemas.openxmlformats.org/markup-compatibility/2006" xmlns:a14="http://schemas.microsoft.com/office/drawing/2010/main">
+        <mc:Choice Requires="a14">
           <p:sp>
             <p:nvSpPr>
               <p:cNvPr id="10" name="Content Placeholder 6">
@@ -8943,7 +8989,7 @@
             </p:txBody>
           </p:sp>
         </mc:Choice>
-        <mc:Fallback>
+        <mc:Fallback xmlns="">
           <p:sp>
             <p:nvSpPr>
               <p:cNvPr id="10" name="Content Placeholder 6">
@@ -10364,6 +10410,171 @@
       </p:grpSpPr>
       <p:sp>
         <p:nvSpPr>
+          <p:cNvPr id="2" name="Title 1">
+            <a:extLst>
+              <a:ext uri="{FF2B5EF4-FFF2-40B4-BE49-F238E27FC236}">
+                <a16:creationId xmlns:a16="http://schemas.microsoft.com/office/drawing/2014/main" id="{50A12263-2918-C92F-AC29-849E65E4D502}"/>
+              </a:ext>
+            </a:extLst>
+          </p:cNvPr>
+          <p:cNvSpPr>
+            <a:spLocks noGrp="1"/>
+          </p:cNvSpPr>
+          <p:nvPr>
+            <p:ph type="title"/>
+          </p:nvPr>
+        </p:nvSpPr>
+        <p:spPr/>
+        <p:txBody>
+          <a:bodyPr/>
+          <a:lstStyle/>
+          <a:p>
+            <a:endParaRPr lang="es-ES_tradnl"/>
+          </a:p>
+        </p:txBody>
+      </p:sp>
+      <p:pic>
+        <p:nvPicPr>
+          <p:cNvPr id="5" name="Content Placeholder 4">
+            <a:extLst>
+              <a:ext uri="{FF2B5EF4-FFF2-40B4-BE49-F238E27FC236}">
+                <a16:creationId xmlns:a16="http://schemas.microsoft.com/office/drawing/2014/main" id="{9BB88309-A710-371A-547E-CCCA5722ECB2}"/>
+              </a:ext>
+            </a:extLst>
+          </p:cNvPr>
+          <p:cNvPicPr>
+            <a:picLocks noGrp="1" noChangeAspect="1"/>
+          </p:cNvPicPr>
+          <p:nvPr>
+            <p:ph idx="1"/>
+          </p:nvPr>
+        </p:nvPicPr>
+        <p:blipFill>
+          <a:blip r:embed="rId2"/>
+          <a:stretch>
+            <a:fillRect/>
+          </a:stretch>
+        </p:blipFill>
+        <p:spPr>
+          <a:xfrm>
+            <a:off x="345429" y="542834"/>
+            <a:ext cx="11413755" cy="6348258"/>
+          </a:xfrm>
+          <a:prstGeom prst="rect">
+            <a:avLst/>
+          </a:prstGeom>
+        </p:spPr>
+      </p:pic>
+      <p:sp>
+        <p:nvSpPr>
+          <p:cNvPr id="4" name="Slide Number Placeholder 3">
+            <a:extLst>
+              <a:ext uri="{FF2B5EF4-FFF2-40B4-BE49-F238E27FC236}">
+                <a16:creationId xmlns:a16="http://schemas.microsoft.com/office/drawing/2014/main" id="{B95F044D-ABFB-81C0-FC63-F523B5074D39}"/>
+              </a:ext>
+            </a:extLst>
+          </p:cNvPr>
+          <p:cNvSpPr>
+            <a:spLocks noGrp="1"/>
+          </p:cNvSpPr>
+          <p:nvPr>
+            <p:ph type="sldNum" sz="quarter" idx="12"/>
+          </p:nvPr>
+        </p:nvSpPr>
+        <p:spPr/>
+        <p:txBody>
+          <a:bodyPr/>
+          <a:lstStyle/>
+          <a:p>
+            <a:fld id="{D57F1E4F-1CFF-5643-939E-217C01CDF565}" type="slidenum">
+              <a:rPr lang="en-US" smtClean="0"/>
+              <a:pPr/>
+              <a:t>15</a:t>
+            </a:fld>
+            <a:endParaRPr lang="en-US"/>
+          </a:p>
+        </p:txBody>
+      </p:sp>
+      <p:sp>
+        <p:nvSpPr>
+          <p:cNvPr id="6" name="TextBox 5">
+            <a:extLst>
+              <a:ext uri="{FF2B5EF4-FFF2-40B4-BE49-F238E27FC236}">
+                <a16:creationId xmlns:a16="http://schemas.microsoft.com/office/drawing/2014/main" id="{957CC4DB-6A42-B1F2-5B4C-BC2E0CCA1C14}"/>
+              </a:ext>
+            </a:extLst>
+          </p:cNvPr>
+          <p:cNvSpPr txBox="1"/>
+          <p:nvPr/>
+        </p:nvSpPr>
+        <p:spPr>
+          <a:xfrm>
+            <a:off x="664464" y="6315166"/>
+            <a:ext cx="3601242" cy="369332"/>
+          </a:xfrm>
+          <a:prstGeom prst="rect">
+            <a:avLst/>
+          </a:prstGeom>
+          <a:noFill/>
+        </p:spPr>
+        <p:txBody>
+          <a:bodyPr wrap="none" rtlCol="0">
+            <a:spAutoFit/>
+          </a:bodyPr>
+          <a:lstStyle/>
+          <a:p>
+            <a:r>
+              <a:rPr lang="es-ES_tradnl" dirty="0">
+                <a:hlinkClick r:id="rId3"/>
+              </a:rPr>
+              <a:t>https://www.menti.com</a:t>
+            </a:r>
+            <a:r>
+              <a:rPr lang="es-ES_tradnl">
+                <a:hlinkClick r:id="rId3"/>
+              </a:rPr>
+              <a:t>/aljbo7jfqy9e</a:t>
+            </a:r>
+            <a:r>
+              <a:rPr lang="es-ES_tradnl"/>
+              <a:t> </a:t>
+            </a:r>
+            <a:endParaRPr lang="es-ES_tradnl" dirty="0"/>
+          </a:p>
+        </p:txBody>
+      </p:sp>
+    </p:spTree>
+    <p:extLst>
+      <p:ext uri="{BB962C8B-B14F-4D97-AF65-F5344CB8AC3E}">
+        <p14:creationId xmlns:p14="http://schemas.microsoft.com/office/powerpoint/2010/main" val="1858068227"/>
+      </p:ext>
+    </p:extLst>
+  </p:cSld>
+  <p:clrMapOvr>
+    <a:masterClrMapping/>
+  </p:clrMapOvr>
+</p:sld>
+</file>
+
+<file path=ppt/slides/slide16.xml><?xml version="1.0" encoding="utf-8"?>
+<p:sld xmlns:a="http://schemas.openxmlformats.org/drawingml/2006/main" xmlns:r="http://schemas.openxmlformats.org/officeDocument/2006/relationships" xmlns:p="http://schemas.openxmlformats.org/presentationml/2006/main">
+  <p:cSld>
+    <p:spTree>
+      <p:nvGrpSpPr>
+        <p:cNvPr id="1" name=""/>
+        <p:cNvGrpSpPr/>
+        <p:nvPr/>
+      </p:nvGrpSpPr>
+      <p:grpSpPr>
+        <a:xfrm>
+          <a:off x="0" y="0"/>
+          <a:ext cx="0" cy="0"/>
+          <a:chOff x="0" y="0"/>
+          <a:chExt cx="0" cy="0"/>
+        </a:xfrm>
+      </p:grpSpPr>
+      <p:sp>
+        <p:nvSpPr>
           <p:cNvPr id="13" name="Título 12">
             <a:extLst>
               <a:ext uri="{FF2B5EF4-FFF2-40B4-BE49-F238E27FC236}">
@@ -10384,7 +10595,7 @@
           <a:lstStyle/>
           <a:p>
             <a:r>
-              <a:rPr lang="es-CO">
+              <a:rPr lang="es-CO" dirty="0">
                 <a:latin typeface="Century Gothic" panose="020B0502020202020204" pitchFamily="34" charset="0"/>
               </a:rPr>
               <a:t>PREGUNTA 1 (4 MINUTOS)</a:t>
@@ -10412,7 +10623,7 @@
                 <a:latin typeface="Century Gothic" panose="020B0502020202020204" pitchFamily="34" charset="0"/>
               </a:rPr>
               <a:pPr/>
-              <a:t>15</a:t>
+              <a:t>16</a:t>
             </a:fld>
             <a:endParaRPr lang="en-US" sz="2000" b="1">
               <a:latin typeface="Century Gothic" panose="020B0502020202020204" pitchFamily="34" charset="0"/>
@@ -10863,7 +11074,7 @@
 </p:sld>
 </file>
 
-<file path=ppt/slides/slide16.xml><?xml version="1.0" encoding="utf-8"?>
+<file path=ppt/slides/slide17.xml><?xml version="1.0" encoding="utf-8"?>
 <p:sld xmlns:a="http://schemas.openxmlformats.org/drawingml/2006/main" xmlns:r="http://schemas.openxmlformats.org/officeDocument/2006/relationships" xmlns:p="http://schemas.openxmlformats.org/presentationml/2006/main">
   <p:cSld>
     <p:spTree>
@@ -10942,7 +11153,7 @@
                 <a:latin typeface="Century Gothic" panose="020B0502020202020204" pitchFamily="34" charset="0"/>
               </a:rPr>
               <a:pPr/>
-              <a:t>16</a:t>
+              <a:t>17</a:t>
             </a:fld>
             <a:endParaRPr lang="en-US" sz="2000" b="1">
               <a:latin typeface="Century Gothic" panose="020B0502020202020204" pitchFamily="34" charset="0"/>
@@ -11453,7 +11664,7 @@
 </p:sld>
 </file>
 
-<file path=ppt/slides/slide17.xml><?xml version="1.0" encoding="utf-8"?>
+<file path=ppt/slides/slide18.xml><?xml version="1.0" encoding="utf-8"?>
 <p:sld xmlns:a="http://schemas.openxmlformats.org/drawingml/2006/main" xmlns:r="http://schemas.openxmlformats.org/officeDocument/2006/relationships" xmlns:p="http://schemas.openxmlformats.org/presentationml/2006/main">
   <p:cSld>
     <p:spTree>
@@ -11498,7 +11709,7 @@
           <a:lstStyle/>
           <a:p>
             <a:r>
-              <a:rPr lang="es-CO">
+              <a:rPr lang="es-CO" dirty="0">
                 <a:latin typeface="Century Gothic" panose="020B0502020202020204" pitchFamily="34" charset="0"/>
               </a:rPr>
               <a:t>PREGUNTA 2 (5 MINUTOS)</a:t>
@@ -11537,7 +11748,7 @@
                 <a:latin typeface="Century Gothic" panose="020B0502020202020204" pitchFamily="34" charset="0"/>
               </a:rPr>
               <a:pPr/>
-              <a:t>17</a:t>
+              <a:t>18</a:t>
             </a:fld>
             <a:endParaRPr lang="en-US" sz="2000" b="1">
               <a:latin typeface="Century Gothic" panose="020B0502020202020204" pitchFamily="34" charset="0"/>
@@ -11994,7 +12205,7 @@
 </p:sld>
 </file>
 
-<file path=ppt/slides/slide18.xml><?xml version="1.0" encoding="utf-8"?>
+<file path=ppt/slides/slide19.xml><?xml version="1.0" encoding="utf-8"?>
 <p:sld xmlns:a="http://schemas.openxmlformats.org/drawingml/2006/main" xmlns:r="http://schemas.openxmlformats.org/officeDocument/2006/relationships" xmlns:p="http://schemas.openxmlformats.org/presentationml/2006/main">
   <p:cSld>
     <p:spTree>
@@ -12078,7 +12289,7 @@
                 <a:latin typeface="Century Gothic" panose="020B0502020202020204" pitchFamily="34" charset="0"/>
               </a:rPr>
               <a:pPr/>
-              <a:t>18</a:t>
+              <a:t>19</a:t>
             </a:fld>
             <a:endParaRPr lang="en-US" sz="2000" b="1">
               <a:latin typeface="Century Gothic" panose="020B0502020202020204" pitchFamily="34" charset="0"/>
@@ -12453,542 +12664,6 @@
     <p:extLst>
       <p:ext uri="{BB962C8B-B14F-4D97-AF65-F5344CB8AC3E}">
         <p14:creationId xmlns:p14="http://schemas.microsoft.com/office/powerpoint/2010/main" val="605246863"/>
-      </p:ext>
-    </p:extLst>
-  </p:cSld>
-  <p:clrMapOvr>
-    <a:masterClrMapping/>
-  </p:clrMapOvr>
-  <p:timing>
-    <p:tnLst>
-      <p:par>
-        <p:cTn id="1" dur="indefinite" restart="never" nodeType="tmRoot">
-          <p:childTnLst>
-            <p:seq concurrent="1" nextAc="seek">
-              <p:cTn id="2" dur="indefinite" nodeType="mainSeq">
-                <p:childTnLst>
-                  <p:par>
-                    <p:cTn id="3" fill="hold">
-                      <p:stCondLst>
-                        <p:cond delay="indefinite"/>
-                        <p:cond evt="onBegin" delay="0">
-                          <p:tn val="2"/>
-                        </p:cond>
-                      </p:stCondLst>
-                      <p:childTnLst>
-                        <p:par>
-                          <p:cTn id="4" fill="hold">
-                            <p:stCondLst>
-                              <p:cond delay="0"/>
-                            </p:stCondLst>
-                            <p:childTnLst>
-                              <p:par>
-                                <p:cTn id="5" presetID="1" presetClass="entr" presetSubtype="0" fill="hold" grpId="0" nodeType="withEffect">
-                                  <p:stCondLst>
-                                    <p:cond delay="0"/>
-                                  </p:stCondLst>
-                                  <p:childTnLst>
-                                    <p:set>
-                                      <p:cBhvr>
-                                        <p:cTn id="6" dur="1" fill="hold">
-                                          <p:stCondLst>
-                                            <p:cond delay="0"/>
-                                          </p:stCondLst>
-                                        </p:cTn>
-                                        <p:tgtEl>
-                                          <p:spTgt spid="5"/>
-                                        </p:tgtEl>
-                                        <p:attrNameLst>
-                                          <p:attrName>style.visibility</p:attrName>
-                                        </p:attrNameLst>
-                                      </p:cBhvr>
-                                      <p:to>
-                                        <p:strVal val="visible"/>
-                                      </p:to>
-                                    </p:set>
-                                  </p:childTnLst>
-                                </p:cTn>
-                              </p:par>
-                            </p:childTnLst>
-                          </p:cTn>
-                        </p:par>
-                      </p:childTnLst>
-                    </p:cTn>
-                  </p:par>
-                  <p:par>
-                    <p:cTn id="7" fill="hold">
-                      <p:stCondLst>
-                        <p:cond delay="indefinite"/>
-                      </p:stCondLst>
-                      <p:childTnLst>
-                        <p:par>
-                          <p:cTn id="8" fill="hold">
-                            <p:stCondLst>
-                              <p:cond delay="0"/>
-                            </p:stCondLst>
-                            <p:childTnLst>
-                              <p:par>
-                                <p:cTn id="9" presetID="1" presetClass="exit" presetSubtype="0" fill="hold" grpId="1" nodeType="clickEffect">
-                                  <p:stCondLst>
-                                    <p:cond delay="0"/>
-                                  </p:stCondLst>
-                                  <p:childTnLst>
-                                    <p:set>
-                                      <p:cBhvr>
-                                        <p:cTn id="10" dur="1" fill="hold">
-                                          <p:stCondLst>
-                                            <p:cond delay="0"/>
-                                          </p:stCondLst>
-                                        </p:cTn>
-                                        <p:tgtEl>
-                                          <p:spTgt spid="5"/>
-                                        </p:tgtEl>
-                                        <p:attrNameLst>
-                                          <p:attrName>style.visibility</p:attrName>
-                                        </p:attrNameLst>
-                                      </p:cBhvr>
-                                      <p:to>
-                                        <p:strVal val="hidden"/>
-                                      </p:to>
-                                    </p:set>
-                                  </p:childTnLst>
-                                </p:cTn>
-                              </p:par>
-                            </p:childTnLst>
-                          </p:cTn>
-                        </p:par>
-                      </p:childTnLst>
-                    </p:cTn>
-                  </p:par>
-                </p:childTnLst>
-              </p:cTn>
-              <p:prevCondLst>
-                <p:cond evt="onPrev" delay="0">
-                  <p:tgtEl>
-                    <p:sldTgt/>
-                  </p:tgtEl>
-                </p:cond>
-              </p:prevCondLst>
-              <p:nextCondLst>
-                <p:cond evt="onNext" delay="0">
-                  <p:tgtEl>
-                    <p:sldTgt/>
-                  </p:tgtEl>
-                </p:cond>
-              </p:nextCondLst>
-            </p:seq>
-          </p:childTnLst>
-        </p:cTn>
-      </p:par>
-    </p:tnLst>
-    <p:bldLst>
-      <p:bldP spid="5" grpId="0" animBg="1"/>
-      <p:bldP spid="5" grpId="1" animBg="1"/>
-    </p:bldLst>
-  </p:timing>
-</p:sld>
-</file>
-
-<file path=ppt/slides/slide19.xml><?xml version="1.0" encoding="utf-8"?>
-<p:sld xmlns:a="http://schemas.openxmlformats.org/drawingml/2006/main" xmlns:r="http://schemas.openxmlformats.org/officeDocument/2006/relationships" xmlns:p="http://schemas.openxmlformats.org/presentationml/2006/main">
-  <p:cSld>
-    <p:spTree>
-      <p:nvGrpSpPr>
-        <p:cNvPr id="1" name="">
-          <a:extLst>
-            <a:ext uri="{FF2B5EF4-FFF2-40B4-BE49-F238E27FC236}">
-              <a16:creationId xmlns:a16="http://schemas.microsoft.com/office/drawing/2014/main" id="{4AA29FED-50BC-AD9A-EF98-BB238E6F6266}"/>
-            </a:ext>
-          </a:extLst>
-        </p:cNvPr>
-        <p:cNvGrpSpPr/>
-        <p:nvPr/>
-      </p:nvGrpSpPr>
-      <p:grpSpPr>
-        <a:xfrm>
-          <a:off x="0" y="0"/>
-          <a:ext cx="0" cy="0"/>
-          <a:chOff x="0" y="0"/>
-          <a:chExt cx="0" cy="0"/>
-        </a:xfrm>
-      </p:grpSpPr>
-      <p:sp>
-        <p:nvSpPr>
-          <p:cNvPr id="13" name="Título 12">
-            <a:extLst>
-              <a:ext uri="{FF2B5EF4-FFF2-40B4-BE49-F238E27FC236}">
-                <a16:creationId xmlns:a16="http://schemas.microsoft.com/office/drawing/2014/main" id="{E5ED9DF7-6BFF-2155-2BC0-82D65CEF7B87}"/>
-              </a:ext>
-            </a:extLst>
-          </p:cNvPr>
-          <p:cNvSpPr>
-            <a:spLocks noGrp="1"/>
-          </p:cNvSpPr>
-          <p:nvPr>
-            <p:ph type="title"/>
-          </p:nvPr>
-        </p:nvSpPr>
-        <p:spPr/>
-        <p:txBody>
-          <a:bodyPr/>
-          <a:lstStyle/>
-          <a:p>
-            <a:r>
-              <a:rPr lang="es-CO">
-                <a:latin typeface="Century Gothic" panose="020B0502020202020204" pitchFamily="34" charset="0"/>
-              </a:rPr>
-              <a:t>PREGUNTA 3 (4 MINUTOS)</a:t>
-            </a:r>
-          </a:p>
-        </p:txBody>
-      </p:sp>
-      <p:sp>
-        <p:nvSpPr>
-          <p:cNvPr id="4" name="Marcador de número de diapositiva 3">
-            <a:extLst>
-              <a:ext uri="{FF2B5EF4-FFF2-40B4-BE49-F238E27FC236}">
-                <a16:creationId xmlns:a16="http://schemas.microsoft.com/office/drawing/2014/main" id="{CB3E8B3D-5F88-D547-2B7A-B085CC66B404}"/>
-              </a:ext>
-            </a:extLst>
-          </p:cNvPr>
-          <p:cNvSpPr>
-            <a:spLocks noGrp="1"/>
-          </p:cNvSpPr>
-          <p:nvPr>
-            <p:ph type="sldNum" sz="quarter" idx="12"/>
-          </p:nvPr>
-        </p:nvSpPr>
-        <p:spPr/>
-        <p:txBody>
-          <a:bodyPr/>
-          <a:lstStyle/>
-          <a:p>
-            <a:fld id="{D57F1E4F-1CFF-5643-939E-217C01CDF565}" type="slidenum">
-              <a:rPr lang="en-US" sz="2000" b="1" smtClean="0">
-                <a:latin typeface="Century Gothic" panose="020B0502020202020204" pitchFamily="34" charset="0"/>
-              </a:rPr>
-              <a:pPr/>
-              <a:t>19</a:t>
-            </a:fld>
-            <a:endParaRPr lang="en-US" sz="2000" b="1">
-              <a:latin typeface="Century Gothic" panose="020B0502020202020204" pitchFamily="34" charset="0"/>
-            </a:endParaRPr>
-          </a:p>
-        </p:txBody>
-      </p:sp>
-      <p:sp>
-        <p:nvSpPr>
-          <p:cNvPr id="5" name="TPPolling">
-            <a:extLst>
-              <a:ext uri="{FF2B5EF4-FFF2-40B4-BE49-F238E27FC236}">
-                <a16:creationId xmlns:a16="http://schemas.microsoft.com/office/drawing/2014/main" id="{378D9015-ECD7-6285-DC41-80D20B389D75}"/>
-              </a:ext>
-            </a:extLst>
-          </p:cNvPr>
-          <p:cNvSpPr/>
-          <p:nvPr/>
-        </p:nvSpPr>
-        <p:spPr>
-          <a:xfrm>
-            <a:off x="0" y="0"/>
-            <a:ext cx="12700" cy="12700"/>
-          </a:xfrm>
-          <a:prstGeom prst="rect">
-            <a:avLst/>
-          </a:prstGeom>
-          <a:solidFill>
-            <a:schemeClr val="accent1">
-              <a:alpha val="10000"/>
-            </a:schemeClr>
-          </a:solidFill>
-          <a:ln w="22225" cap="rnd" cmpd="sng" algn="ctr">
-            <a:noFill/>
-            <a:prstDash val="solid"/>
-          </a:ln>
-          <a:effectLst/>
-          <a:extLst>
-            <a:ext uri="{91240B29-F687-4F45-9708-019B960494DF}">
-              <a14:hiddenLine xmlns:a14="http://schemas.microsoft.com/office/drawing/2010/main" w="22225" cap="rnd" cmpd="sng" algn="ctr">
-                <a:solidFill>
-                  <a:schemeClr val="accent1">
-                    <a:shade val="50000"/>
-                  </a:schemeClr>
-                </a:solidFill>
-                <a:prstDash val="solid"/>
-              </a14:hiddenLine>
-            </a:ext>
-          </a:extLst>
-        </p:spPr>
-        <p:style>
-          <a:lnRef idx="2">
-            <a:schemeClr val="accent1">
-              <a:shade val="50000"/>
-            </a:schemeClr>
-          </a:lnRef>
-          <a:fillRef idx="1">
-            <a:schemeClr val="accent1"/>
-          </a:fillRef>
-          <a:effectRef idx="0">
-            <a:schemeClr val="accent1"/>
-          </a:effectRef>
-          <a:fontRef idx="minor">
-            <a:schemeClr val="lt1"/>
-          </a:fontRef>
-        </p:style>
-        <p:txBody>
-          <a:bodyPr rtlCol="0" anchor="ctr"/>
-          <a:lstStyle/>
-          <a:p>
-            <a:pPr algn="ctr"/>
-            <a:endParaRPr lang="es-CO"/>
-          </a:p>
-        </p:txBody>
-      </p:sp>
-      <p:sp>
-        <p:nvSpPr>
-          <p:cNvPr id="2" name="Rectángulo 1">
-            <a:extLst>
-              <a:ext uri="{FF2B5EF4-FFF2-40B4-BE49-F238E27FC236}">
-                <a16:creationId xmlns:a16="http://schemas.microsoft.com/office/drawing/2014/main" id="{F3AB8044-334E-DA63-2706-AF02747CAA69}"/>
-              </a:ext>
-            </a:extLst>
-          </p:cNvPr>
-          <p:cNvSpPr/>
-          <p:nvPr/>
-        </p:nvSpPr>
-        <p:spPr>
-          <a:xfrm>
-            <a:off x="1415434" y="118110"/>
-            <a:ext cx="2781532" cy="261610"/>
-          </a:xfrm>
-          <a:prstGeom prst="rect">
-            <a:avLst/>
-          </a:prstGeom>
-        </p:spPr>
-        <p:txBody>
-          <a:bodyPr wrap="none">
-            <a:spAutoFit/>
-          </a:bodyPr>
-          <a:lstStyle/>
-          <a:p>
-            <a:pPr algn="r"/>
-            <a:r>
-              <a:rPr lang="es-CO" sz="1100" b="1">
-                <a:solidFill>
-                  <a:schemeClr val="accent2">
-                    <a:lumMod val="50000"/>
-                  </a:schemeClr>
-                </a:solidFill>
-                <a:latin typeface="Century Gothic" panose="020B0502020202020204" pitchFamily="34" charset="0"/>
-                <a:sym typeface="Gill Sans Light"/>
-              </a:rPr>
-              <a:t>Departamento de Ingeniería Industrial</a:t>
-            </a:r>
-            <a:endParaRPr lang="es-CO" sz="1100" b="1">
-              <a:solidFill>
-                <a:schemeClr val="accent2">
-                  <a:lumMod val="50000"/>
-                </a:schemeClr>
-              </a:solidFill>
-              <a:latin typeface="Century Gothic" panose="020B0502020202020204" pitchFamily="34" charset="0"/>
-            </a:endParaRPr>
-          </a:p>
-        </p:txBody>
-      </p:sp>
-      <p:pic>
-        <p:nvPicPr>
-          <p:cNvPr id="8" name="Picture 2" descr="Clientes y aliados | Centro de Evaluación | Uniandes">
-            <a:extLst>
-              <a:ext uri="{FF2B5EF4-FFF2-40B4-BE49-F238E27FC236}">
-                <a16:creationId xmlns:a16="http://schemas.microsoft.com/office/drawing/2014/main" id="{2B4A512F-F0F4-742A-EF81-AEE2F33EEAEC}"/>
-              </a:ext>
-            </a:extLst>
-          </p:cNvPr>
-          <p:cNvPicPr>
-            <a:picLocks noChangeAspect="1" noChangeArrowheads="1"/>
-          </p:cNvPicPr>
-          <p:nvPr/>
-        </p:nvPicPr>
-        <p:blipFill>
-          <a:blip r:embed="rId3">
-            <a:extLst>
-              <a:ext uri="{28A0092B-C50C-407E-A947-70E740481C1C}">
-                <a14:useLocalDpi xmlns:a14="http://schemas.microsoft.com/office/drawing/2010/main" val="0"/>
-              </a:ext>
-            </a:extLst>
-          </a:blip>
-          <a:srcRect/>
-          <a:stretch>
-            <a:fillRect/>
-          </a:stretch>
-        </p:blipFill>
-        <p:spPr bwMode="auto">
-          <a:xfrm>
-            <a:off x="641965" y="118110"/>
-            <a:ext cx="806123" cy="310063"/>
-          </a:xfrm>
-          <a:prstGeom prst="rect">
-            <a:avLst/>
-          </a:prstGeom>
-          <a:noFill/>
-          <a:extLst>
-            <a:ext uri="{909E8E84-426E-40DD-AFC4-6F175D3DCCD1}">
-              <a14:hiddenFill xmlns:a14="http://schemas.microsoft.com/office/drawing/2010/main">
-                <a:solidFill>
-                  <a:srgbClr val="FFFFFF"/>
-                </a:solidFill>
-              </a14:hiddenFill>
-            </a:ext>
-          </a:extLst>
-        </p:spPr>
-      </p:pic>
-      <p:pic>
-        <p:nvPicPr>
-          <p:cNvPr id="10" name="Imagen 9">
-            <a:extLst>
-              <a:ext uri="{FF2B5EF4-FFF2-40B4-BE49-F238E27FC236}">
-                <a16:creationId xmlns:a16="http://schemas.microsoft.com/office/drawing/2014/main" id="{A09F5143-ABB7-AB0F-A272-C16B7F947B8D}"/>
-              </a:ext>
-            </a:extLst>
-          </p:cNvPr>
-          <p:cNvPicPr>
-            <a:picLocks noChangeAspect="1"/>
-          </p:cNvPicPr>
-          <p:nvPr/>
-        </p:nvPicPr>
-        <p:blipFill>
-          <a:blip r:embed="rId4"/>
-          <a:stretch>
-            <a:fillRect/>
-          </a:stretch>
-        </p:blipFill>
-        <p:spPr>
-          <a:xfrm>
-            <a:off x="1415434" y="1922248"/>
-            <a:ext cx="7020554" cy="4777877"/>
-          </a:xfrm>
-          <a:prstGeom prst="rect">
-            <a:avLst/>
-          </a:prstGeom>
-        </p:spPr>
-      </p:pic>
-      <p:sp>
-        <p:nvSpPr>
-          <p:cNvPr id="7" name="Rectángulo 6">
-            <a:extLst>
-              <a:ext uri="{FF2B5EF4-FFF2-40B4-BE49-F238E27FC236}">
-                <a16:creationId xmlns:a16="http://schemas.microsoft.com/office/drawing/2014/main" id="{DB169610-50DE-45ED-09EF-D50216217759}"/>
-              </a:ext>
-            </a:extLst>
-          </p:cNvPr>
-          <p:cNvSpPr/>
-          <p:nvPr/>
-        </p:nvSpPr>
-        <p:spPr>
-          <a:xfrm>
-            <a:off x="8399257" y="118110"/>
-            <a:ext cx="3150778" cy="261610"/>
-          </a:xfrm>
-          <a:prstGeom prst="rect">
-            <a:avLst/>
-          </a:prstGeom>
-        </p:spPr>
-        <p:txBody>
-          <a:bodyPr wrap="square">
-            <a:spAutoFit/>
-          </a:bodyPr>
-          <a:lstStyle/>
-          <a:p>
-            <a:pPr algn="r"/>
-            <a:r>
-              <a:rPr lang="es-CO" sz="1100" b="1">
-                <a:solidFill>
-                  <a:schemeClr val="accent2">
-                    <a:lumMod val="50000"/>
-                  </a:schemeClr>
-                </a:solidFill>
-                <a:latin typeface="Century Gothic" panose="020B0502020202020204" pitchFamily="34" charset="0"/>
-                <a:sym typeface="Gill Sans Light"/>
-              </a:rPr>
-              <a:t>Curso</a:t>
-            </a:r>
-            <a:r>
-              <a:rPr lang="es-CO" sz="1100">
-                <a:solidFill>
-                  <a:schemeClr val="accent2">
-                    <a:lumMod val="50000"/>
-                  </a:schemeClr>
-                </a:solidFill>
-                <a:latin typeface="Century Gothic" panose="020B0502020202020204" pitchFamily="34" charset="0"/>
-                <a:sym typeface="Gill Sans Light"/>
-              </a:rPr>
-              <a:t> Análisis de Decisiones de Inversión</a:t>
-            </a:r>
-            <a:endParaRPr lang="es-CO" sz="1100">
-              <a:solidFill>
-                <a:schemeClr val="accent2">
-                  <a:lumMod val="50000"/>
-                </a:schemeClr>
-              </a:solidFill>
-              <a:latin typeface="Century Gothic" panose="020B0502020202020204" pitchFamily="34" charset="0"/>
-            </a:endParaRPr>
-          </a:p>
-        </p:txBody>
-      </p:sp>
-      <p:pic>
-        <p:nvPicPr>
-          <p:cNvPr id="15362" name="Picture 2" descr="Aprender a resolver problemas | PressCoaching">
-            <a:extLst>
-              <a:ext uri="{FF2B5EF4-FFF2-40B4-BE49-F238E27FC236}">
-                <a16:creationId xmlns:a16="http://schemas.microsoft.com/office/drawing/2014/main" id="{311F784E-0A82-EEBA-69A2-92CAF2CA8FD9}"/>
-              </a:ext>
-            </a:extLst>
-          </p:cNvPr>
-          <p:cNvPicPr>
-            <a:picLocks noChangeAspect="1" noChangeArrowheads="1"/>
-          </p:cNvPicPr>
-          <p:nvPr/>
-        </p:nvPicPr>
-        <p:blipFill>
-          <a:blip r:embed="rId5">
-            <a:extLst>
-              <a:ext uri="{28A0092B-C50C-407E-A947-70E740481C1C}">
-                <a14:useLocalDpi xmlns:a14="http://schemas.microsoft.com/office/drawing/2010/main" val="0"/>
-              </a:ext>
-            </a:extLst>
-          </a:blip>
-          <a:srcRect/>
-          <a:stretch>
-            <a:fillRect/>
-          </a:stretch>
-        </p:blipFill>
-        <p:spPr bwMode="auto">
-          <a:xfrm>
-            <a:off x="8519631" y="3106456"/>
-            <a:ext cx="3207142" cy="1803748"/>
-          </a:xfrm>
-          <a:prstGeom prst="rect">
-            <a:avLst/>
-          </a:prstGeom>
-          <a:noFill/>
-          <a:extLst>
-            <a:ext uri="{909E8E84-426E-40DD-AFC4-6F175D3DCCD1}">
-              <a14:hiddenFill xmlns:a14="http://schemas.microsoft.com/office/drawing/2010/main">
-                <a:solidFill>
-                  <a:srgbClr val="FFFFFF"/>
-                </a:solidFill>
-              </a14:hiddenFill>
-            </a:ext>
-          </a:extLst>
-        </p:spPr>
-      </p:pic>
-    </p:spTree>
-    <p:custDataLst>
-      <p:tags r:id="rId1"/>
-    </p:custDataLst>
-    <p:extLst>
-      <p:ext uri="{BB962C8B-B14F-4D97-AF65-F5344CB8AC3E}">
-        <p14:creationId xmlns:p14="http://schemas.microsoft.com/office/powerpoint/2010/main" val="3694344773"/>
       </p:ext>
     </p:extLst>
   </p:cSld>
@@ -13785,7 +13460,7 @@
         <p:cNvPr id="1" name="">
           <a:extLst>
             <a:ext uri="{FF2B5EF4-FFF2-40B4-BE49-F238E27FC236}">
-              <a16:creationId xmlns:a16="http://schemas.microsoft.com/office/drawing/2014/main" id="{AD741199-AEC6-76B1-9149-9ACCE52D6BFD}"/>
+              <a16:creationId xmlns:a16="http://schemas.microsoft.com/office/drawing/2014/main" id="{4AA29FED-50BC-AD9A-EF98-BB238E6F6266}"/>
             </a:ext>
           </a:extLst>
         </p:cNvPr>
@@ -13805,7 +13480,7 @@
           <p:cNvPr id="13" name="Título 12">
             <a:extLst>
               <a:ext uri="{FF2B5EF4-FFF2-40B4-BE49-F238E27FC236}">
-                <a16:creationId xmlns:a16="http://schemas.microsoft.com/office/drawing/2014/main" id="{D88A4B0E-750F-96E0-D47E-A9158A42FF46}"/>
+                <a16:creationId xmlns:a16="http://schemas.microsoft.com/office/drawing/2014/main" id="{E5ED9DF7-6BFF-2155-2BC0-82D65CEF7B87}"/>
               </a:ext>
             </a:extLst>
           </p:cNvPr>
@@ -13835,7 +13510,7 @@
           <p:cNvPr id="4" name="Marcador de número de diapositiva 3">
             <a:extLst>
               <a:ext uri="{FF2B5EF4-FFF2-40B4-BE49-F238E27FC236}">
-                <a16:creationId xmlns:a16="http://schemas.microsoft.com/office/drawing/2014/main" id="{54E1F2D0-4D59-CD40-732A-AD909215F972}"/>
+                <a16:creationId xmlns:a16="http://schemas.microsoft.com/office/drawing/2014/main" id="{CB3E8B3D-5F88-D547-2B7A-B085CC66B404}"/>
               </a:ext>
             </a:extLst>
           </p:cNvPr>
@@ -13869,7 +13544,7 @@
           <p:cNvPr id="5" name="TPPolling">
             <a:extLst>
               <a:ext uri="{FF2B5EF4-FFF2-40B4-BE49-F238E27FC236}">
-                <a16:creationId xmlns:a16="http://schemas.microsoft.com/office/drawing/2014/main" id="{B7865112-B427-29F6-1516-AE7A978656B1}"/>
+                <a16:creationId xmlns:a16="http://schemas.microsoft.com/office/drawing/2014/main" id="{378D9015-ECD7-6285-DC41-80D20B389D75}"/>
               </a:ext>
             </a:extLst>
           </p:cNvPr>
@@ -13937,7 +13612,7 @@
           <p:cNvPr id="2" name="Rectángulo 1">
             <a:extLst>
               <a:ext uri="{FF2B5EF4-FFF2-40B4-BE49-F238E27FC236}">
-                <a16:creationId xmlns:a16="http://schemas.microsoft.com/office/drawing/2014/main" id="{F1E1F58F-53E5-435A-0D44-B901752ECAC0}"/>
+                <a16:creationId xmlns:a16="http://schemas.microsoft.com/office/drawing/2014/main" id="{F3AB8044-334E-DA63-2706-AF02747CAA69}"/>
               </a:ext>
             </a:extLst>
           </p:cNvPr>
@@ -13988,7 +13663,7 @@
           <p:cNvPr id="8" name="Picture 2" descr="Clientes y aliados | Centro de Evaluación | Uniandes">
             <a:extLst>
               <a:ext uri="{FF2B5EF4-FFF2-40B4-BE49-F238E27FC236}">
-                <a16:creationId xmlns:a16="http://schemas.microsoft.com/office/drawing/2014/main" id="{D93484A1-2594-3BC7-0550-39FE9AD7B710}"/>
+                <a16:creationId xmlns:a16="http://schemas.microsoft.com/office/drawing/2014/main" id="{2B4A512F-F0F4-742A-EF81-AEE2F33EEAEC}"/>
               </a:ext>
             </a:extLst>
           </p:cNvPr>
@@ -13998,7 +13673,7 @@
           <p:nvPr/>
         </p:nvPicPr>
         <p:blipFill>
-          <a:blip r:embed="rId4">
+          <a:blip r:embed="rId3">
             <a:extLst>
               <a:ext uri="{28A0092B-C50C-407E-A947-70E740481C1C}">
                 <a14:useLocalDpi xmlns:a14="http://schemas.microsoft.com/office/drawing/2010/main" val="0"/>
@@ -14035,7 +13710,7 @@
           <p:cNvPr id="10" name="Imagen 9">
             <a:extLst>
               <a:ext uri="{FF2B5EF4-FFF2-40B4-BE49-F238E27FC236}">
-                <a16:creationId xmlns:a16="http://schemas.microsoft.com/office/drawing/2014/main" id="{CD80CEAA-E8F7-A0FF-3131-369F19112DEC}"/>
+                <a16:creationId xmlns:a16="http://schemas.microsoft.com/office/drawing/2014/main" id="{A09F5143-ABB7-AB0F-A272-C16B7F947B8D}"/>
               </a:ext>
             </a:extLst>
           </p:cNvPr>
@@ -14045,7 +13720,7 @@
           <p:nvPr/>
         </p:nvPicPr>
         <p:blipFill>
-          <a:blip r:embed="rId5"/>
+          <a:blip r:embed="rId4"/>
           <a:stretch>
             <a:fillRect/>
           </a:stretch>
@@ -14065,7 +13740,7 @@
           <p:cNvPr id="7" name="Rectángulo 6">
             <a:extLst>
               <a:ext uri="{FF2B5EF4-FFF2-40B4-BE49-F238E27FC236}">
-                <a16:creationId xmlns:a16="http://schemas.microsoft.com/office/drawing/2014/main" id="{1885A7B1-947C-54F0-2D3A-8308347030BB}"/>
+                <a16:creationId xmlns:a16="http://schemas.microsoft.com/office/drawing/2014/main" id="{DB169610-50DE-45ED-09EF-D50216217759}"/>
               </a:ext>
             </a:extLst>
           </p:cNvPr>
@@ -14128,7 +13803,7 @@
           <p:cNvPr id="15362" name="Picture 2" descr="Aprender a resolver problemas | PressCoaching">
             <a:extLst>
               <a:ext uri="{FF2B5EF4-FFF2-40B4-BE49-F238E27FC236}">
-                <a16:creationId xmlns:a16="http://schemas.microsoft.com/office/drawing/2014/main" id="{F5DB4FE2-A803-B6C4-710C-23E4231EBEFA}"/>
+                <a16:creationId xmlns:a16="http://schemas.microsoft.com/office/drawing/2014/main" id="{311F784E-0A82-EEBA-69A2-92CAF2CA8FD9}"/>
               </a:ext>
             </a:extLst>
           </p:cNvPr>
@@ -14138,7 +13813,7 @@
           <p:nvPr/>
         </p:nvPicPr>
         <p:blipFill>
-          <a:blip r:embed="rId6">
+          <a:blip r:embed="rId5">
             <a:extLst>
               <a:ext uri="{28A0092B-C50C-407E-A947-70E740481C1C}">
                 <a14:useLocalDpi xmlns:a14="http://schemas.microsoft.com/office/drawing/2010/main" val="0"/>
@@ -14170,67 +13845,13 @@
           </a:extLst>
         </p:spPr>
       </p:pic>
-      <p:sp>
-        <p:nvSpPr>
-          <p:cNvPr id="3" name="Rectangle 2">
-            <a:extLst>
-              <a:ext uri="{FF2B5EF4-FFF2-40B4-BE49-F238E27FC236}">
-                <a16:creationId xmlns:a16="http://schemas.microsoft.com/office/drawing/2014/main" id="{DD630EDB-82B2-D074-D665-DB99F2F338AB}"/>
-              </a:ext>
-            </a:extLst>
-          </p:cNvPr>
-          <p:cNvSpPr/>
-          <p:nvPr/>
-        </p:nvSpPr>
-        <p:spPr>
-          <a:xfrm>
-            <a:off x="1174019" y="5836319"/>
-            <a:ext cx="7699879" cy="201799"/>
-          </a:xfrm>
-          <a:prstGeom prst="rect">
-            <a:avLst/>
-          </a:prstGeom>
-          <a:solidFill>
-            <a:srgbClr val="FFFF00">
-              <a:alpha val="14902"/>
-            </a:srgbClr>
-          </a:solidFill>
-          <a:ln>
-            <a:noFill/>
-          </a:ln>
-        </p:spPr>
-        <p:style>
-          <a:lnRef idx="2">
-            <a:schemeClr val="accent1">
-              <a:shade val="15000"/>
-            </a:schemeClr>
-          </a:lnRef>
-          <a:fillRef idx="1">
-            <a:schemeClr val="accent1"/>
-          </a:fillRef>
-          <a:effectRef idx="0">
-            <a:schemeClr val="accent1"/>
-          </a:effectRef>
-          <a:fontRef idx="minor">
-            <a:schemeClr val="lt1"/>
-          </a:fontRef>
-        </p:style>
-        <p:txBody>
-          <a:bodyPr rtlCol="0" anchor="ctr"/>
-          <a:lstStyle/>
-          <a:p>
-            <a:pPr algn="ctr"/>
-            <a:endParaRPr lang="es-ES_tradnl"/>
-          </a:p>
-        </p:txBody>
-      </p:sp>
     </p:spTree>
     <p:custDataLst>
       <p:tags r:id="rId1"/>
     </p:custDataLst>
     <p:extLst>
       <p:ext uri="{BB962C8B-B14F-4D97-AF65-F5344CB8AC3E}">
-        <p14:creationId xmlns:p14="http://schemas.microsoft.com/office/powerpoint/2010/main" val="1686877967"/>
+        <p14:creationId xmlns:p14="http://schemas.microsoft.com/office/powerpoint/2010/main" val="3694344773"/>
       </p:ext>
     </p:extLst>
   </p:cSld>
@@ -14375,6 +13996,596 @@
         <p:cNvPr id="1" name="">
           <a:extLst>
             <a:ext uri="{FF2B5EF4-FFF2-40B4-BE49-F238E27FC236}">
+              <a16:creationId xmlns:a16="http://schemas.microsoft.com/office/drawing/2014/main" id="{AD741199-AEC6-76B1-9149-9ACCE52D6BFD}"/>
+            </a:ext>
+          </a:extLst>
+        </p:cNvPr>
+        <p:cNvGrpSpPr/>
+        <p:nvPr/>
+      </p:nvGrpSpPr>
+      <p:grpSpPr>
+        <a:xfrm>
+          <a:off x="0" y="0"/>
+          <a:ext cx="0" cy="0"/>
+          <a:chOff x="0" y="0"/>
+          <a:chExt cx="0" cy="0"/>
+        </a:xfrm>
+      </p:grpSpPr>
+      <p:sp>
+        <p:nvSpPr>
+          <p:cNvPr id="13" name="Título 12">
+            <a:extLst>
+              <a:ext uri="{FF2B5EF4-FFF2-40B4-BE49-F238E27FC236}">
+                <a16:creationId xmlns:a16="http://schemas.microsoft.com/office/drawing/2014/main" id="{D88A4B0E-750F-96E0-D47E-A9158A42FF46}"/>
+              </a:ext>
+            </a:extLst>
+          </p:cNvPr>
+          <p:cNvSpPr>
+            <a:spLocks noGrp="1"/>
+          </p:cNvSpPr>
+          <p:nvPr>
+            <p:ph type="title"/>
+          </p:nvPr>
+        </p:nvSpPr>
+        <p:spPr/>
+        <p:txBody>
+          <a:bodyPr/>
+          <a:lstStyle/>
+          <a:p>
+            <a:r>
+              <a:rPr lang="es-CO" dirty="0">
+                <a:latin typeface="Century Gothic" panose="020B0502020202020204" pitchFamily="34" charset="0"/>
+              </a:rPr>
+              <a:t>PREGUNTA 3 (4 MINUTOS)</a:t>
+            </a:r>
+          </a:p>
+        </p:txBody>
+      </p:sp>
+      <p:sp>
+        <p:nvSpPr>
+          <p:cNvPr id="4" name="Marcador de número de diapositiva 3">
+            <a:extLst>
+              <a:ext uri="{FF2B5EF4-FFF2-40B4-BE49-F238E27FC236}">
+                <a16:creationId xmlns:a16="http://schemas.microsoft.com/office/drawing/2014/main" id="{54E1F2D0-4D59-CD40-732A-AD909215F972}"/>
+              </a:ext>
+            </a:extLst>
+          </p:cNvPr>
+          <p:cNvSpPr>
+            <a:spLocks noGrp="1"/>
+          </p:cNvSpPr>
+          <p:nvPr>
+            <p:ph type="sldNum" sz="quarter" idx="12"/>
+          </p:nvPr>
+        </p:nvSpPr>
+        <p:spPr/>
+        <p:txBody>
+          <a:bodyPr/>
+          <a:lstStyle/>
+          <a:p>
+            <a:fld id="{D57F1E4F-1CFF-5643-939E-217C01CDF565}" type="slidenum">
+              <a:rPr lang="en-US" sz="2000" b="1" smtClean="0">
+                <a:latin typeface="Century Gothic" panose="020B0502020202020204" pitchFamily="34" charset="0"/>
+              </a:rPr>
+              <a:pPr/>
+              <a:t>21</a:t>
+            </a:fld>
+            <a:endParaRPr lang="en-US" sz="2000" b="1">
+              <a:latin typeface="Century Gothic" panose="020B0502020202020204" pitchFamily="34" charset="0"/>
+            </a:endParaRPr>
+          </a:p>
+        </p:txBody>
+      </p:sp>
+      <p:sp>
+        <p:nvSpPr>
+          <p:cNvPr id="5" name="TPPolling">
+            <a:extLst>
+              <a:ext uri="{FF2B5EF4-FFF2-40B4-BE49-F238E27FC236}">
+                <a16:creationId xmlns:a16="http://schemas.microsoft.com/office/drawing/2014/main" id="{B7865112-B427-29F6-1516-AE7A978656B1}"/>
+              </a:ext>
+            </a:extLst>
+          </p:cNvPr>
+          <p:cNvSpPr/>
+          <p:nvPr/>
+        </p:nvSpPr>
+        <p:spPr>
+          <a:xfrm>
+            <a:off x="0" y="0"/>
+            <a:ext cx="12700" cy="12700"/>
+          </a:xfrm>
+          <a:prstGeom prst="rect">
+            <a:avLst/>
+          </a:prstGeom>
+          <a:solidFill>
+            <a:schemeClr val="accent1">
+              <a:alpha val="10000"/>
+            </a:schemeClr>
+          </a:solidFill>
+          <a:ln w="22225" cap="rnd" cmpd="sng" algn="ctr">
+            <a:noFill/>
+            <a:prstDash val="solid"/>
+          </a:ln>
+          <a:effectLst/>
+          <a:extLst>
+            <a:ext uri="{91240B29-F687-4F45-9708-019B960494DF}">
+              <a14:hiddenLine xmlns:a14="http://schemas.microsoft.com/office/drawing/2010/main" w="22225" cap="rnd" cmpd="sng" algn="ctr">
+                <a:solidFill>
+                  <a:schemeClr val="accent1">
+                    <a:shade val="50000"/>
+                  </a:schemeClr>
+                </a:solidFill>
+                <a:prstDash val="solid"/>
+              </a14:hiddenLine>
+            </a:ext>
+          </a:extLst>
+        </p:spPr>
+        <p:style>
+          <a:lnRef idx="2">
+            <a:schemeClr val="accent1">
+              <a:shade val="50000"/>
+            </a:schemeClr>
+          </a:lnRef>
+          <a:fillRef idx="1">
+            <a:schemeClr val="accent1"/>
+          </a:fillRef>
+          <a:effectRef idx="0">
+            <a:schemeClr val="accent1"/>
+          </a:effectRef>
+          <a:fontRef idx="minor">
+            <a:schemeClr val="lt1"/>
+          </a:fontRef>
+        </p:style>
+        <p:txBody>
+          <a:bodyPr rtlCol="0" anchor="ctr"/>
+          <a:lstStyle/>
+          <a:p>
+            <a:pPr algn="ctr"/>
+            <a:endParaRPr lang="es-CO"/>
+          </a:p>
+        </p:txBody>
+      </p:sp>
+      <p:sp>
+        <p:nvSpPr>
+          <p:cNvPr id="2" name="Rectángulo 1">
+            <a:extLst>
+              <a:ext uri="{FF2B5EF4-FFF2-40B4-BE49-F238E27FC236}">
+                <a16:creationId xmlns:a16="http://schemas.microsoft.com/office/drawing/2014/main" id="{F1E1F58F-53E5-435A-0D44-B901752ECAC0}"/>
+              </a:ext>
+            </a:extLst>
+          </p:cNvPr>
+          <p:cNvSpPr/>
+          <p:nvPr/>
+        </p:nvSpPr>
+        <p:spPr>
+          <a:xfrm>
+            <a:off x="1415434" y="118110"/>
+            <a:ext cx="2781532" cy="261610"/>
+          </a:xfrm>
+          <a:prstGeom prst="rect">
+            <a:avLst/>
+          </a:prstGeom>
+        </p:spPr>
+        <p:txBody>
+          <a:bodyPr wrap="none">
+            <a:spAutoFit/>
+          </a:bodyPr>
+          <a:lstStyle/>
+          <a:p>
+            <a:pPr algn="r"/>
+            <a:r>
+              <a:rPr lang="es-CO" sz="1100" b="1">
+                <a:solidFill>
+                  <a:schemeClr val="accent2">
+                    <a:lumMod val="50000"/>
+                  </a:schemeClr>
+                </a:solidFill>
+                <a:latin typeface="Century Gothic" panose="020B0502020202020204" pitchFamily="34" charset="0"/>
+                <a:sym typeface="Gill Sans Light"/>
+              </a:rPr>
+              <a:t>Departamento de Ingeniería Industrial</a:t>
+            </a:r>
+            <a:endParaRPr lang="es-CO" sz="1100" b="1">
+              <a:solidFill>
+                <a:schemeClr val="accent2">
+                  <a:lumMod val="50000"/>
+                </a:schemeClr>
+              </a:solidFill>
+              <a:latin typeface="Century Gothic" panose="020B0502020202020204" pitchFamily="34" charset="0"/>
+            </a:endParaRPr>
+          </a:p>
+        </p:txBody>
+      </p:sp>
+      <p:pic>
+        <p:nvPicPr>
+          <p:cNvPr id="8" name="Picture 2" descr="Clientes y aliados | Centro de Evaluación | Uniandes">
+            <a:extLst>
+              <a:ext uri="{FF2B5EF4-FFF2-40B4-BE49-F238E27FC236}">
+                <a16:creationId xmlns:a16="http://schemas.microsoft.com/office/drawing/2014/main" id="{D93484A1-2594-3BC7-0550-39FE9AD7B710}"/>
+              </a:ext>
+            </a:extLst>
+          </p:cNvPr>
+          <p:cNvPicPr>
+            <a:picLocks noChangeAspect="1" noChangeArrowheads="1"/>
+          </p:cNvPicPr>
+          <p:nvPr/>
+        </p:nvPicPr>
+        <p:blipFill>
+          <a:blip r:embed="rId4">
+            <a:extLst>
+              <a:ext uri="{28A0092B-C50C-407E-A947-70E740481C1C}">
+                <a14:useLocalDpi xmlns:a14="http://schemas.microsoft.com/office/drawing/2010/main" val="0"/>
+              </a:ext>
+            </a:extLst>
+          </a:blip>
+          <a:srcRect/>
+          <a:stretch>
+            <a:fillRect/>
+          </a:stretch>
+        </p:blipFill>
+        <p:spPr bwMode="auto">
+          <a:xfrm>
+            <a:off x="641965" y="118110"/>
+            <a:ext cx="806123" cy="310063"/>
+          </a:xfrm>
+          <a:prstGeom prst="rect">
+            <a:avLst/>
+          </a:prstGeom>
+          <a:noFill/>
+          <a:extLst>
+            <a:ext uri="{909E8E84-426E-40DD-AFC4-6F175D3DCCD1}">
+              <a14:hiddenFill xmlns:a14="http://schemas.microsoft.com/office/drawing/2010/main">
+                <a:solidFill>
+                  <a:srgbClr val="FFFFFF"/>
+                </a:solidFill>
+              </a14:hiddenFill>
+            </a:ext>
+          </a:extLst>
+        </p:spPr>
+      </p:pic>
+      <p:pic>
+        <p:nvPicPr>
+          <p:cNvPr id="10" name="Imagen 9">
+            <a:extLst>
+              <a:ext uri="{FF2B5EF4-FFF2-40B4-BE49-F238E27FC236}">
+                <a16:creationId xmlns:a16="http://schemas.microsoft.com/office/drawing/2014/main" id="{CD80CEAA-E8F7-A0FF-3131-369F19112DEC}"/>
+              </a:ext>
+            </a:extLst>
+          </p:cNvPr>
+          <p:cNvPicPr>
+            <a:picLocks noChangeAspect="1"/>
+          </p:cNvPicPr>
+          <p:nvPr/>
+        </p:nvPicPr>
+        <p:blipFill>
+          <a:blip r:embed="rId5"/>
+          <a:stretch>
+            <a:fillRect/>
+          </a:stretch>
+        </p:blipFill>
+        <p:spPr>
+          <a:xfrm>
+            <a:off x="1415434" y="1922248"/>
+            <a:ext cx="7020554" cy="4777877"/>
+          </a:xfrm>
+          <a:prstGeom prst="rect">
+            <a:avLst/>
+          </a:prstGeom>
+        </p:spPr>
+      </p:pic>
+      <p:sp>
+        <p:nvSpPr>
+          <p:cNvPr id="7" name="Rectángulo 6">
+            <a:extLst>
+              <a:ext uri="{FF2B5EF4-FFF2-40B4-BE49-F238E27FC236}">
+                <a16:creationId xmlns:a16="http://schemas.microsoft.com/office/drawing/2014/main" id="{1885A7B1-947C-54F0-2D3A-8308347030BB}"/>
+              </a:ext>
+            </a:extLst>
+          </p:cNvPr>
+          <p:cNvSpPr/>
+          <p:nvPr/>
+        </p:nvSpPr>
+        <p:spPr>
+          <a:xfrm>
+            <a:off x="8399257" y="118110"/>
+            <a:ext cx="3150778" cy="261610"/>
+          </a:xfrm>
+          <a:prstGeom prst="rect">
+            <a:avLst/>
+          </a:prstGeom>
+        </p:spPr>
+        <p:txBody>
+          <a:bodyPr wrap="square">
+            <a:spAutoFit/>
+          </a:bodyPr>
+          <a:lstStyle/>
+          <a:p>
+            <a:pPr algn="r"/>
+            <a:r>
+              <a:rPr lang="es-CO" sz="1100" b="1">
+                <a:solidFill>
+                  <a:schemeClr val="accent2">
+                    <a:lumMod val="50000"/>
+                  </a:schemeClr>
+                </a:solidFill>
+                <a:latin typeface="Century Gothic" panose="020B0502020202020204" pitchFamily="34" charset="0"/>
+                <a:sym typeface="Gill Sans Light"/>
+              </a:rPr>
+              <a:t>Curso</a:t>
+            </a:r>
+            <a:r>
+              <a:rPr lang="es-CO" sz="1100">
+                <a:solidFill>
+                  <a:schemeClr val="accent2">
+                    <a:lumMod val="50000"/>
+                  </a:schemeClr>
+                </a:solidFill>
+                <a:latin typeface="Century Gothic" panose="020B0502020202020204" pitchFamily="34" charset="0"/>
+                <a:sym typeface="Gill Sans Light"/>
+              </a:rPr>
+              <a:t> Análisis de Decisiones de Inversión</a:t>
+            </a:r>
+            <a:endParaRPr lang="es-CO" sz="1100">
+              <a:solidFill>
+                <a:schemeClr val="accent2">
+                  <a:lumMod val="50000"/>
+                </a:schemeClr>
+              </a:solidFill>
+              <a:latin typeface="Century Gothic" panose="020B0502020202020204" pitchFamily="34" charset="0"/>
+            </a:endParaRPr>
+          </a:p>
+        </p:txBody>
+      </p:sp>
+      <p:pic>
+        <p:nvPicPr>
+          <p:cNvPr id="15362" name="Picture 2" descr="Aprender a resolver problemas | PressCoaching">
+            <a:extLst>
+              <a:ext uri="{FF2B5EF4-FFF2-40B4-BE49-F238E27FC236}">
+                <a16:creationId xmlns:a16="http://schemas.microsoft.com/office/drawing/2014/main" id="{F5DB4FE2-A803-B6C4-710C-23E4231EBEFA}"/>
+              </a:ext>
+            </a:extLst>
+          </p:cNvPr>
+          <p:cNvPicPr>
+            <a:picLocks noChangeAspect="1" noChangeArrowheads="1"/>
+          </p:cNvPicPr>
+          <p:nvPr/>
+        </p:nvPicPr>
+        <p:blipFill>
+          <a:blip r:embed="rId6">
+            <a:extLst>
+              <a:ext uri="{28A0092B-C50C-407E-A947-70E740481C1C}">
+                <a14:useLocalDpi xmlns:a14="http://schemas.microsoft.com/office/drawing/2010/main" val="0"/>
+              </a:ext>
+            </a:extLst>
+          </a:blip>
+          <a:srcRect/>
+          <a:stretch>
+            <a:fillRect/>
+          </a:stretch>
+        </p:blipFill>
+        <p:spPr bwMode="auto">
+          <a:xfrm>
+            <a:off x="8519631" y="3106456"/>
+            <a:ext cx="3207142" cy="1803748"/>
+          </a:xfrm>
+          <a:prstGeom prst="rect">
+            <a:avLst/>
+          </a:prstGeom>
+          <a:noFill/>
+          <a:extLst>
+            <a:ext uri="{909E8E84-426E-40DD-AFC4-6F175D3DCCD1}">
+              <a14:hiddenFill xmlns:a14="http://schemas.microsoft.com/office/drawing/2010/main">
+                <a:solidFill>
+                  <a:srgbClr val="FFFFFF"/>
+                </a:solidFill>
+              </a14:hiddenFill>
+            </a:ext>
+          </a:extLst>
+        </p:spPr>
+      </p:pic>
+      <p:sp>
+        <p:nvSpPr>
+          <p:cNvPr id="3" name="Rectangle 2">
+            <a:extLst>
+              <a:ext uri="{FF2B5EF4-FFF2-40B4-BE49-F238E27FC236}">
+                <a16:creationId xmlns:a16="http://schemas.microsoft.com/office/drawing/2014/main" id="{DD630EDB-82B2-D074-D665-DB99F2F338AB}"/>
+              </a:ext>
+            </a:extLst>
+          </p:cNvPr>
+          <p:cNvSpPr/>
+          <p:nvPr/>
+        </p:nvSpPr>
+        <p:spPr>
+          <a:xfrm>
+            <a:off x="1174019" y="5836319"/>
+            <a:ext cx="7699879" cy="201799"/>
+          </a:xfrm>
+          <a:prstGeom prst="rect">
+            <a:avLst/>
+          </a:prstGeom>
+          <a:solidFill>
+            <a:srgbClr val="FFFF00">
+              <a:alpha val="14902"/>
+            </a:srgbClr>
+          </a:solidFill>
+          <a:ln>
+            <a:noFill/>
+          </a:ln>
+        </p:spPr>
+        <p:style>
+          <a:lnRef idx="2">
+            <a:schemeClr val="accent1">
+              <a:shade val="15000"/>
+            </a:schemeClr>
+          </a:lnRef>
+          <a:fillRef idx="1">
+            <a:schemeClr val="accent1"/>
+          </a:fillRef>
+          <a:effectRef idx="0">
+            <a:schemeClr val="accent1"/>
+          </a:effectRef>
+          <a:fontRef idx="minor">
+            <a:schemeClr val="lt1"/>
+          </a:fontRef>
+        </p:style>
+        <p:txBody>
+          <a:bodyPr rtlCol="0" anchor="ctr"/>
+          <a:lstStyle/>
+          <a:p>
+            <a:pPr algn="ctr"/>
+            <a:endParaRPr lang="es-ES_tradnl"/>
+          </a:p>
+        </p:txBody>
+      </p:sp>
+    </p:spTree>
+    <p:custDataLst>
+      <p:tags r:id="rId1"/>
+    </p:custDataLst>
+    <p:extLst>
+      <p:ext uri="{BB962C8B-B14F-4D97-AF65-F5344CB8AC3E}">
+        <p14:creationId xmlns:p14="http://schemas.microsoft.com/office/powerpoint/2010/main" val="1686877967"/>
+      </p:ext>
+    </p:extLst>
+  </p:cSld>
+  <p:clrMapOvr>
+    <a:masterClrMapping/>
+  </p:clrMapOvr>
+  <p:timing>
+    <p:tnLst>
+      <p:par>
+        <p:cTn id="1" dur="indefinite" restart="never" nodeType="tmRoot">
+          <p:childTnLst>
+            <p:seq concurrent="1" nextAc="seek">
+              <p:cTn id="2" dur="indefinite" nodeType="mainSeq">
+                <p:childTnLst>
+                  <p:par>
+                    <p:cTn id="3" fill="hold">
+                      <p:stCondLst>
+                        <p:cond delay="indefinite"/>
+                        <p:cond evt="onBegin" delay="0">
+                          <p:tn val="2"/>
+                        </p:cond>
+                      </p:stCondLst>
+                      <p:childTnLst>
+                        <p:par>
+                          <p:cTn id="4" fill="hold">
+                            <p:stCondLst>
+                              <p:cond delay="0"/>
+                            </p:stCondLst>
+                            <p:childTnLst>
+                              <p:par>
+                                <p:cTn id="5" presetID="1" presetClass="entr" presetSubtype="0" fill="hold" grpId="0" nodeType="withEffect">
+                                  <p:stCondLst>
+                                    <p:cond delay="0"/>
+                                  </p:stCondLst>
+                                  <p:childTnLst>
+                                    <p:set>
+                                      <p:cBhvr>
+                                        <p:cTn id="6" dur="1" fill="hold">
+                                          <p:stCondLst>
+                                            <p:cond delay="0"/>
+                                          </p:stCondLst>
+                                        </p:cTn>
+                                        <p:tgtEl>
+                                          <p:spTgt spid="5"/>
+                                        </p:tgtEl>
+                                        <p:attrNameLst>
+                                          <p:attrName>style.visibility</p:attrName>
+                                        </p:attrNameLst>
+                                      </p:cBhvr>
+                                      <p:to>
+                                        <p:strVal val="visible"/>
+                                      </p:to>
+                                    </p:set>
+                                  </p:childTnLst>
+                                </p:cTn>
+                              </p:par>
+                            </p:childTnLst>
+                          </p:cTn>
+                        </p:par>
+                      </p:childTnLst>
+                    </p:cTn>
+                  </p:par>
+                  <p:par>
+                    <p:cTn id="7" fill="hold">
+                      <p:stCondLst>
+                        <p:cond delay="indefinite"/>
+                      </p:stCondLst>
+                      <p:childTnLst>
+                        <p:par>
+                          <p:cTn id="8" fill="hold">
+                            <p:stCondLst>
+                              <p:cond delay="0"/>
+                            </p:stCondLst>
+                            <p:childTnLst>
+                              <p:par>
+                                <p:cTn id="9" presetID="1" presetClass="exit" presetSubtype="0" fill="hold" grpId="1" nodeType="clickEffect">
+                                  <p:stCondLst>
+                                    <p:cond delay="0"/>
+                                  </p:stCondLst>
+                                  <p:childTnLst>
+                                    <p:set>
+                                      <p:cBhvr>
+                                        <p:cTn id="10" dur="1" fill="hold">
+                                          <p:stCondLst>
+                                            <p:cond delay="0"/>
+                                          </p:stCondLst>
+                                        </p:cTn>
+                                        <p:tgtEl>
+                                          <p:spTgt spid="5"/>
+                                        </p:tgtEl>
+                                        <p:attrNameLst>
+                                          <p:attrName>style.visibility</p:attrName>
+                                        </p:attrNameLst>
+                                      </p:cBhvr>
+                                      <p:to>
+                                        <p:strVal val="hidden"/>
+                                      </p:to>
+                                    </p:set>
+                                  </p:childTnLst>
+                                </p:cTn>
+                              </p:par>
+                            </p:childTnLst>
+                          </p:cTn>
+                        </p:par>
+                      </p:childTnLst>
+                    </p:cTn>
+                  </p:par>
+                </p:childTnLst>
+              </p:cTn>
+              <p:prevCondLst>
+                <p:cond evt="onPrev" delay="0">
+                  <p:tgtEl>
+                    <p:sldTgt/>
+                  </p:tgtEl>
+                </p:cond>
+              </p:prevCondLst>
+              <p:nextCondLst>
+                <p:cond evt="onNext" delay="0">
+                  <p:tgtEl>
+                    <p:sldTgt/>
+                  </p:tgtEl>
+                </p:cond>
+              </p:nextCondLst>
+            </p:seq>
+          </p:childTnLst>
+        </p:cTn>
+      </p:par>
+    </p:tnLst>
+    <p:bldLst>
+      <p:bldP spid="5" grpId="0" animBg="1"/>
+      <p:bldP spid="5" grpId="1" animBg="1"/>
+    </p:bldLst>
+  </p:timing>
+</p:sld>
+</file>
+
+<file path=ppt/slides/slide22.xml><?xml version="1.0" encoding="utf-8"?>
+<p:sld xmlns:a="http://schemas.openxmlformats.org/drawingml/2006/main" xmlns:r="http://schemas.openxmlformats.org/officeDocument/2006/relationships" xmlns:p="http://schemas.openxmlformats.org/presentationml/2006/main">
+  <p:cSld>
+    <p:spTree>
+      <p:nvGrpSpPr>
+        <p:cNvPr id="1" name="">
+          <a:extLst>
+            <a:ext uri="{FF2B5EF4-FFF2-40B4-BE49-F238E27FC236}">
               <a16:creationId xmlns:a16="http://schemas.microsoft.com/office/drawing/2014/main" id="{ACD4AB5C-BE54-0742-4C7B-D1E21E5DF885}"/>
             </a:ext>
           </a:extLst>
@@ -14446,7 +14657,7 @@
                 <a:latin typeface="Century Gothic" panose="020B0502020202020204" pitchFamily="34" charset="0"/>
               </a:rPr>
               <a:pPr/>
-              <a:t>21</a:t>
+              <a:t>22</a:t>
             </a:fld>
             <a:endParaRPr lang="en-US" sz="2000" b="1">
               <a:latin typeface="Century Gothic" panose="020B0502020202020204" pitchFamily="34" charset="0"/>
@@ -14903,7 +15114,7 @@
 </p:sld>
 </file>
 
-<file path=ppt/slides/slide22.xml><?xml version="1.0" encoding="utf-8"?>
+<file path=ppt/slides/slide23.xml><?xml version="1.0" encoding="utf-8"?>
 <p:sld xmlns:a="http://schemas.openxmlformats.org/drawingml/2006/main" xmlns:r="http://schemas.openxmlformats.org/officeDocument/2006/relationships" xmlns:p="http://schemas.openxmlformats.org/presentationml/2006/main">
   <p:cSld>
     <p:spTree>
@@ -14948,7 +15159,7 @@
           <a:lstStyle/>
           <a:p>
             <a:r>
-              <a:rPr lang="es-CO">
+              <a:rPr lang="es-CO" dirty="0">
                 <a:latin typeface="Century Gothic" panose="020B0502020202020204" pitchFamily="34" charset="0"/>
               </a:rPr>
               <a:t>PREGUNTA 4 (5 MINUTOS)</a:t>
@@ -14982,7 +15193,7 @@
                 <a:latin typeface="Century Gothic" panose="020B0502020202020204" pitchFamily="34" charset="0"/>
               </a:rPr>
               <a:pPr/>
-              <a:t>22</a:t>
+              <a:t>23</a:t>
             </a:fld>
             <a:endParaRPr lang="en-US" sz="2000" b="1">
               <a:latin typeface="Century Gothic" panose="020B0502020202020204" pitchFamily="34" charset="0"/>
@@ -15493,7 +15704,7 @@
 </p:sld>
 </file>
 
-<file path=ppt/slides/slide23.xml><?xml version="1.0" encoding="utf-8"?>
+<file path=ppt/slides/slide24.xml><?xml version="1.0" encoding="utf-8"?>
 <p:sld xmlns:a="http://schemas.openxmlformats.org/drawingml/2006/main" xmlns:r="http://schemas.openxmlformats.org/officeDocument/2006/relationships" xmlns:p="http://schemas.openxmlformats.org/presentationml/2006/main">
   <p:cSld>
     <p:spTree>
@@ -15556,7 +15767,7 @@
                 <a:latin typeface="Century Gothic" panose="020B0502020202020204" pitchFamily="34" charset="0"/>
               </a:rPr>
               <a:pPr/>
-              <a:t>23</a:t>
+              <a:t>24</a:t>
             </a:fld>
             <a:endParaRPr lang="en-US" sz="2000" b="1">
               <a:latin typeface="Century Gothic" panose="020B0502020202020204" pitchFamily="34" charset="0"/>
@@ -16151,7 +16362,7 @@
 </p:sld>
 </file>
 
-<file path=ppt/slides/slide24.xml><?xml version="1.0" encoding="utf-8"?>
+<file path=ppt/slides/slide25.xml><?xml version="1.0" encoding="utf-8"?>
 <p:sld xmlns:a="http://schemas.openxmlformats.org/drawingml/2006/main" xmlns:r="http://schemas.openxmlformats.org/officeDocument/2006/relationships" xmlns:p="http://schemas.openxmlformats.org/presentationml/2006/main">
   <p:cSld>
     <p:spTree>
@@ -16292,7 +16503,7 @@
               <a:rPr lang="en-US" sz="2000" b="1" smtClean="0">
                 <a:latin typeface="Century Gothic" panose="020B0502020202020204" pitchFamily="34" charset="0"/>
               </a:rPr>
-              <a:t>24</a:t>
+              <a:t>25</a:t>
             </a:fld>
             <a:endParaRPr lang="en-US" sz="2000" b="1">
               <a:latin typeface="Century Gothic" panose="020B0502020202020204" pitchFamily="34" charset="0"/>
@@ -16649,7 +16860,7 @@
 </p:sld>
 </file>
 
-<file path=ppt/slides/slide25.xml><?xml version="1.0" encoding="utf-8"?>
+<file path=ppt/slides/slide26.xml><?xml version="1.0" encoding="utf-8"?>
 <p:sld xmlns:a="http://schemas.openxmlformats.org/drawingml/2006/main" xmlns:r="http://schemas.openxmlformats.org/officeDocument/2006/relationships" xmlns:p="http://schemas.openxmlformats.org/presentationml/2006/main">
   <p:cSld>
     <p:spTree>
@@ -16685,7 +16896,7 @@
               <a:rPr lang="en-US" sz="2000" b="1" smtClean="0">
                 <a:latin typeface="Century Gothic" panose="020B0502020202020204" pitchFamily="34" charset="0"/>
               </a:rPr>
-              <a:t>25</a:t>
+              <a:t>26</a:t>
             </a:fld>
             <a:endParaRPr lang="en-US" sz="2000" b="1">
               <a:latin typeface="Century Gothic" panose="020B0502020202020204" pitchFamily="34" charset="0"/>
@@ -17735,7 +17946,7 @@
 </p:sld>
 </file>
 
-<file path=ppt/slides/slide26.xml><?xml version="1.0" encoding="utf-8"?>
+<file path=ppt/slides/slide27.xml><?xml version="1.0" encoding="utf-8"?>
 <p:sld xmlns:a="http://schemas.openxmlformats.org/drawingml/2006/main" xmlns:r="http://schemas.openxmlformats.org/officeDocument/2006/relationships" xmlns:p="http://schemas.openxmlformats.org/presentationml/2006/main">
   <p:cSld>
     <p:spTree>
@@ -17783,7 +17994,7 @@
               <a:rPr lang="en-US" sz="2000" b="1" smtClean="0">
                 <a:latin typeface="Century Gothic" panose="020B0502020202020204" pitchFamily="34" charset="0"/>
               </a:rPr>
-              <a:t>26</a:t>
+              <a:t>27</a:t>
             </a:fld>
             <a:endParaRPr lang="en-US" sz="2000" b="1">
               <a:latin typeface="Century Gothic" panose="020B0502020202020204" pitchFamily="34" charset="0"/>
@@ -18960,7 +19171,7 @@
 </p:sld>
 </file>
 
-<file path=ppt/slides/slide27.xml><?xml version="1.0" encoding="utf-8"?>
+<file path=ppt/slides/slide28.xml><?xml version="1.0" encoding="utf-8"?>
 <p:sld xmlns:a="http://schemas.openxmlformats.org/drawingml/2006/main" xmlns:r="http://schemas.openxmlformats.org/officeDocument/2006/relationships" xmlns:p="http://schemas.openxmlformats.org/presentationml/2006/main">
   <p:cSld>
     <p:spTree>

--- a/1.1. ANADEC 202610 - Costo de Oportunidad y Valor del Dinero en el Tiempo (Parte I)_BC.pptx
+++ b/1.1. ANADEC 202610 - Costo de Oportunidad y Valor del Dinero en el Tiempo (Parte I)_BC.pptx
@@ -160,7 +160,7 @@
 <file path=ppt/revisionInfo.xml><?xml version="1.0" encoding="utf-8"?>
 <p1510:revInfo xmlns:a="http://schemas.openxmlformats.org/drawingml/2006/main" xmlns:r="http://schemas.openxmlformats.org/officeDocument/2006/relationships" xmlns:p1510="http://schemas.microsoft.com/office/powerpoint/2015/10/main">
   <p1510:revLst>
-    <p1510:client id="{74C69DC4-88EF-FF4D-B714-7853276D8572}" v="9" dt="2026-01-22T15:48:01.028"/>
+    <p1510:client id="{74C69DC4-88EF-FF4D-B714-7853276D8572}" v="10" dt="2026-01-22T18:16:47.566"/>
   </p1510:revLst>
 </p1510:revInfo>
 </file>
@@ -169,13 +169,13 @@
 <pc:chgInfo xmlns:a="http://schemas.openxmlformats.org/drawingml/2006/main" xmlns:r="http://schemas.openxmlformats.org/officeDocument/2006/relationships" xmlns:ac="http://schemas.microsoft.com/office/drawing/2013/main/command" xmlns:pc="http://schemas.microsoft.com/office/powerpoint/2013/main/command">
   <pc:docChgLst>
     <pc:chgData name="Brigitte Castañeda Rodriguez" userId="5c201908-82f6-498c-9281-7eaa96fb17b4" providerId="ADAL" clId="{74C69DC4-88EF-FF4D-B714-7853276D8572}"/>
-    <pc:docChg chg="addSld modSld">
-      <pc:chgData name="Brigitte Castañeda Rodriguez" userId="5c201908-82f6-498c-9281-7eaa96fb17b4" providerId="ADAL" clId="{74C69DC4-88EF-FF4D-B714-7853276D8572}" dt="2026-01-22T15:48:01.010" v="21" actId="20577"/>
+    <pc:docChg chg="custSel addSld modSld">
+      <pc:chgData name="Brigitte Castañeda Rodriguez" userId="5c201908-82f6-498c-9281-7eaa96fb17b4" providerId="ADAL" clId="{74C69DC4-88EF-FF4D-B714-7853276D8572}" dt="2026-01-22T18:17:08.003" v="44" actId="1038"/>
       <pc:docMkLst>
         <pc:docMk/>
       </pc:docMkLst>
       <pc:sldChg chg="addSp delSp modSp new mod">
-        <pc:chgData name="Brigitte Castañeda Rodriguez" userId="5c201908-82f6-498c-9281-7eaa96fb17b4" providerId="ADAL" clId="{74C69DC4-88EF-FF4D-B714-7853276D8572}" dt="2026-01-22T15:48:01.010" v="21" actId="20577"/>
+        <pc:chgData name="Brigitte Castañeda Rodriguez" userId="5c201908-82f6-498c-9281-7eaa96fb17b4" providerId="ADAL" clId="{74C69DC4-88EF-FF4D-B714-7853276D8572}" dt="2026-01-22T18:17:08.003" v="44" actId="1038"/>
         <pc:sldMkLst>
           <pc:docMk/>
           <pc:sldMk cId="1858068227" sldId="465"/>
@@ -196,12 +196,28 @@
             <ac:spMk id="6" creationId="{957CC4DB-6A42-B1F2-5B4C-BC2E0CCA1C14}"/>
           </ac:spMkLst>
         </pc:spChg>
-        <pc:picChg chg="add mod">
-          <ac:chgData name="Brigitte Castañeda Rodriguez" userId="5c201908-82f6-498c-9281-7eaa96fb17b4" providerId="ADAL" clId="{74C69DC4-88EF-FF4D-B714-7853276D8572}" dt="2026-01-22T15:46:25.784" v="17" actId="1035"/>
+        <pc:spChg chg="add mod">
+          <ac:chgData name="Brigitte Castañeda Rodriguez" userId="5c201908-82f6-498c-9281-7eaa96fb17b4" providerId="ADAL" clId="{74C69DC4-88EF-FF4D-B714-7853276D8572}" dt="2026-01-22T18:16:44.739" v="22" actId="478"/>
+          <ac:spMkLst>
+            <pc:docMk/>
+            <pc:sldMk cId="1858068227" sldId="465"/>
+            <ac:spMk id="7" creationId="{04F77242-9A2F-D5C2-CB30-35BD723B6A5B}"/>
+          </ac:spMkLst>
+        </pc:spChg>
+        <pc:picChg chg="add del mod">
+          <ac:chgData name="Brigitte Castañeda Rodriguez" userId="5c201908-82f6-498c-9281-7eaa96fb17b4" providerId="ADAL" clId="{74C69DC4-88EF-FF4D-B714-7853276D8572}" dt="2026-01-22T18:16:44.739" v="22" actId="478"/>
           <ac:picMkLst>
             <pc:docMk/>
             <pc:sldMk cId="1858068227" sldId="465"/>
             <ac:picMk id="5" creationId="{9BB88309-A710-371A-547E-CCCA5722ECB2}"/>
+          </ac:picMkLst>
+        </pc:picChg>
+        <pc:picChg chg="add mod">
+          <ac:chgData name="Brigitte Castañeda Rodriguez" userId="5c201908-82f6-498c-9281-7eaa96fb17b4" providerId="ADAL" clId="{74C69DC4-88EF-FF4D-B714-7853276D8572}" dt="2026-01-22T18:17:08.003" v="44" actId="1038"/>
+          <ac:picMkLst>
+            <pc:docMk/>
+            <pc:sldMk cId="1858068227" sldId="465"/>
+            <ac:picMk id="8" creationId="{F29E7519-68F6-408B-90D0-BC162BBAED31}"/>
           </ac:picMkLst>
         </pc:picChg>
       </pc:sldChg>
@@ -10433,38 +10449,6 @@
           </a:p>
         </p:txBody>
       </p:sp>
-      <p:pic>
-        <p:nvPicPr>
-          <p:cNvPr id="5" name="Content Placeholder 4">
-            <a:extLst>
-              <a:ext uri="{FF2B5EF4-FFF2-40B4-BE49-F238E27FC236}">
-                <a16:creationId xmlns:a16="http://schemas.microsoft.com/office/drawing/2014/main" id="{9BB88309-A710-371A-547E-CCCA5722ECB2}"/>
-              </a:ext>
-            </a:extLst>
-          </p:cNvPr>
-          <p:cNvPicPr>
-            <a:picLocks noGrp="1" noChangeAspect="1"/>
-          </p:cNvPicPr>
-          <p:nvPr>
-            <p:ph idx="1"/>
-          </p:nvPr>
-        </p:nvPicPr>
-        <p:blipFill>
-          <a:blip r:embed="rId2"/>
-          <a:stretch>
-            <a:fillRect/>
-          </a:stretch>
-        </p:blipFill>
-        <p:spPr>
-          <a:xfrm>
-            <a:off x="345429" y="542834"/>
-            <a:ext cx="11413755" cy="6348258"/>
-          </a:xfrm>
-          <a:prstGeom prst="rect">
-            <a:avLst/>
-          </a:prstGeom>
-        </p:spPr>
-      </p:pic>
       <p:sp>
         <p:nvSpPr>
           <p:cNvPr id="4" name="Slide Number Placeholder 3">
@@ -10525,13 +10509,13 @@
           <a:p>
             <a:r>
               <a:rPr lang="es-ES_tradnl" dirty="0">
-                <a:hlinkClick r:id="rId3"/>
+                <a:hlinkClick r:id="rId2"/>
               </a:rPr>
               <a:t>https://www.menti.com</a:t>
             </a:r>
             <a:r>
               <a:rPr lang="es-ES_tradnl">
-                <a:hlinkClick r:id="rId3"/>
+                <a:hlinkClick r:id="rId2"/>
               </a:rPr>
               <a:t>/aljbo7jfqy9e</a:t>
             </a:r>
@@ -10543,6 +10527,61 @@
           </a:p>
         </p:txBody>
       </p:sp>
+      <p:sp>
+        <p:nvSpPr>
+          <p:cNvPr id="7" name="Content Placeholder 6">
+            <a:extLst>
+              <a:ext uri="{FF2B5EF4-FFF2-40B4-BE49-F238E27FC236}">
+                <a16:creationId xmlns:a16="http://schemas.microsoft.com/office/drawing/2014/main" id="{04F77242-9A2F-D5C2-CB30-35BD723B6A5B}"/>
+              </a:ext>
+            </a:extLst>
+          </p:cNvPr>
+          <p:cNvSpPr>
+            <a:spLocks noGrp="1"/>
+          </p:cNvSpPr>
+          <p:nvPr>
+            <p:ph idx="1"/>
+          </p:nvPr>
+        </p:nvSpPr>
+        <p:spPr/>
+        <p:txBody>
+          <a:bodyPr/>
+          <a:lstStyle/>
+          <a:p>
+            <a:endParaRPr lang="es-ES_tradnl"/>
+          </a:p>
+        </p:txBody>
+      </p:sp>
+      <p:pic>
+        <p:nvPicPr>
+          <p:cNvPr id="8" name="Picture 7">
+            <a:extLst>
+              <a:ext uri="{FF2B5EF4-FFF2-40B4-BE49-F238E27FC236}">
+                <a16:creationId xmlns:a16="http://schemas.microsoft.com/office/drawing/2014/main" id="{F29E7519-68F6-408B-90D0-BC162BBAED31}"/>
+              </a:ext>
+            </a:extLst>
+          </p:cNvPr>
+          <p:cNvPicPr>
+            <a:picLocks noChangeAspect="1"/>
+          </p:cNvPicPr>
+          <p:nvPr/>
+        </p:nvPicPr>
+        <p:blipFill>
+          <a:blip r:embed="rId3"/>
+          <a:stretch>
+            <a:fillRect/>
+          </a:stretch>
+        </p:blipFill>
+        <p:spPr>
+          <a:xfrm>
+            <a:off x="582161" y="556035"/>
+            <a:ext cx="11029616" cy="6309121"/>
+          </a:xfrm>
+          <a:prstGeom prst="rect">
+            <a:avLst/>
+          </a:prstGeom>
+        </p:spPr>
+      </p:pic>
     </p:spTree>
     <p:extLst>
       <p:ext uri="{BB962C8B-B14F-4D97-AF65-F5344CB8AC3E}">
